--- a/docs/Presentation1.pptx
+++ b/docs/Presentation1.pptx
@@ -7,6 +7,7 @@
   <p:sldIdLst>
     <p:sldId id="256" r:id="rId2"/>
     <p:sldId id="257" r:id="rId3"/>
+    <p:sldId id="258" r:id="rId4"/>
   </p:sldIdLst>
   <p:sldSz cx="12192000" cy="6858000"/>
   <p:notesSz cx="6858000" cy="9144000"/>
@@ -105,6 +106,11 @@
       </a:defRPr>
     </a:lvl9pPr>
   </p:defaultTextStyle>
+  <p:extLst>
+    <p:ext uri="{EFAFB233-063F-42B5-8137-9DF3F51BA10A}">
+      <p15:sldGuideLst xmlns:p15="http://schemas.microsoft.com/office/powerpoint/2012/main"/>
+    </p:ext>
+  </p:extLst>
 </p:presentation>
 </file>
 
@@ -4343,6 +4349,66 @@
 </p:sld>
 </file>
 
+<file path=ppt/slides/slide3.xml><?xml version="1.0" encoding="utf-8"?>
+<p:sld xmlns:a="http://schemas.openxmlformats.org/drawingml/2006/main" xmlns:r="http://schemas.openxmlformats.org/officeDocument/2006/relationships" xmlns:p="http://schemas.openxmlformats.org/presentationml/2006/main">
+  <p:cSld>
+    <p:spTree>
+      <p:nvGrpSpPr>
+        <p:cNvPr id="1" name=""/>
+        <p:cNvGrpSpPr/>
+        <p:nvPr/>
+      </p:nvGrpSpPr>
+      <p:grpSpPr>
+        <a:xfrm>
+          <a:off x="0" y="0"/>
+          <a:ext cx="0" cy="0"/>
+          <a:chOff x="0" y="0"/>
+          <a:chExt cx="0" cy="0"/>
+        </a:xfrm>
+      </p:grpSpPr>
+      <p:pic>
+        <p:nvPicPr>
+          <p:cNvPr id="5" name="Picture 4">
+            <a:extLst>
+              <a:ext uri="{FF2B5EF4-FFF2-40B4-BE49-F238E27FC236}">
+                <a16:creationId xmlns:a16="http://schemas.microsoft.com/office/drawing/2014/main" id="{FD2D3BB3-8441-4FD3-BF68-06499C22DE33}"/>
+              </a:ext>
+            </a:extLst>
+          </p:cNvPr>
+          <p:cNvPicPr>
+            <a:picLocks noChangeAspect="1"/>
+          </p:cNvPicPr>
+          <p:nvPr/>
+        </p:nvPicPr>
+        <p:blipFill>
+          <a:blip r:embed="rId2"/>
+          <a:stretch>
+            <a:fillRect/>
+          </a:stretch>
+        </p:blipFill>
+        <p:spPr>
+          <a:xfrm>
+            <a:off x="2733205" y="709233"/>
+            <a:ext cx="6725589" cy="5439534"/>
+          </a:xfrm>
+          <a:prstGeom prst="rect">
+            <a:avLst/>
+          </a:prstGeom>
+        </p:spPr>
+      </p:pic>
+    </p:spTree>
+    <p:extLst>
+      <p:ext uri="{BB962C8B-B14F-4D97-AF65-F5344CB8AC3E}">
+        <p14:creationId xmlns:p14="http://schemas.microsoft.com/office/powerpoint/2010/main" val="397302379"/>
+      </p:ext>
+    </p:extLst>
+  </p:cSld>
+  <p:clrMapOvr>
+    <a:masterClrMapping/>
+  </p:clrMapOvr>
+</p:sld>
+</file>
+
 <file path=ppt/theme/theme1.xml><?xml version="1.0" encoding="utf-8"?>
 <a:theme xmlns:a="http://schemas.openxmlformats.org/drawingml/2006/main" name="Office Theme">
   <a:themeElements>

--- a/docs/Presentation1.pptx
+++ b/docs/Presentation1.pptx
@@ -3389,7 +3389,7 @@
                 </a:solidFill>
                 <a:latin typeface="Consolas" panose="020B0609020204030204" pitchFamily="49" charset="0"/>
               </a:rPr>
-              <a:t>now = std::chrono::</a:t>
+              <a:t>start = std::chrono::</a:t>
             </a:r>
             <a:r>
               <a:rPr lang="en-US" sz="1800" dirty="0" err="1">
@@ -3412,7 +3412,7 @@
           </a:p>
           <a:p>
             <a:r>
-              <a:rPr lang="en-CA" sz="1800" dirty="0" err="1">
+              <a:rPr lang="en-CA" sz="1800" b="1" dirty="0" err="1">
                 <a:solidFill>
                   <a:schemeClr val="accent2">
                     <a:lumMod val="50000"/>
@@ -3423,7 +3423,7 @@
               <a:t>func</a:t>
             </a:r>
             <a:r>
-              <a:rPr lang="en-CA" sz="1800" dirty="0">
+              <a:rPr lang="en-CA" sz="1800" b="1" dirty="0">
                 <a:solidFill>
                   <a:schemeClr val="accent2">
                     <a:lumMod val="50000"/>
@@ -3489,7 +3489,7 @@
                 </a:solidFill>
                 <a:latin typeface="Consolas" panose="020B0609020204030204" pitchFamily="49" charset="0"/>
               </a:rPr>
-              <a:t>&lt;std::chrono::nanoseconds&gt;(end - now);</a:t>
+              <a:t>&lt;std::chrono::nanoseconds&gt;(end - start);</a:t>
             </a:r>
           </a:p>
           <a:p>
@@ -3566,7 +3566,7 @@
                 </a:solidFill>
                 <a:latin typeface="Consolas" panose="020B0609020204030204" pitchFamily="49" charset="0"/>
               </a:rPr>
-              <a:t>now = std::chrono::</a:t>
+              <a:t>start = std::chrono::</a:t>
             </a:r>
             <a:r>
               <a:rPr lang="en-US" sz="1800" dirty="0" err="1">
@@ -3620,7 +3620,7 @@
               <a:t>  </a:t>
             </a:r>
             <a:r>
-              <a:rPr lang="en-CA" sz="1800" dirty="0" err="1">
+              <a:rPr lang="en-CA" sz="1800" b="1" dirty="0" err="1">
                 <a:solidFill>
                   <a:schemeClr val="accent2">
                     <a:lumMod val="50000"/>
@@ -3631,7 +3631,7 @@
               <a:t>func</a:t>
             </a:r>
             <a:r>
-              <a:rPr lang="en-CA" sz="1800" dirty="0">
+              <a:rPr lang="en-CA" sz="1800" b="1" dirty="0">
                 <a:solidFill>
                   <a:schemeClr val="accent2">
                     <a:lumMod val="50000"/>
@@ -3714,7 +3714,7 @@
                 </a:solidFill>
                 <a:latin typeface="Consolas" panose="020B0609020204030204" pitchFamily="49" charset="0"/>
               </a:rPr>
-              <a:t>&lt;std::chrono::nanoseconds&gt;(end - now);</a:t>
+              <a:t>&lt;std::chrono::nanoseconds&gt;(end - start);</a:t>
             </a:r>
           </a:p>
           <a:p>
@@ -3868,7 +3868,7 @@
                 </a:solidFill>
                 <a:latin typeface="Consolas" panose="020B0609020204030204" pitchFamily="49" charset="0"/>
               </a:rPr>
-              <a:t>now = std::chrono::</a:t>
+              <a:t>start = std::chrono::</a:t>
             </a:r>
             <a:r>
               <a:rPr lang="en-US" sz="1800" dirty="0" err="1">
@@ -3891,7 +3891,7 @@
           </a:p>
           <a:p>
             <a:r>
-              <a:rPr lang="en-CA" sz="1800" dirty="0" err="1">
+              <a:rPr lang="en-CA" sz="1800" b="1" dirty="0" err="1">
                 <a:solidFill>
                   <a:schemeClr val="accent2">
                     <a:lumMod val="50000"/>
@@ -3902,7 +3902,7 @@
               <a:t>func</a:t>
             </a:r>
             <a:r>
-              <a:rPr lang="en-CA" sz="1800" dirty="0">
+              <a:rPr lang="en-CA" sz="1800" b="1" dirty="0">
                 <a:solidFill>
                   <a:schemeClr val="accent2">
                     <a:lumMod val="50000"/>
@@ -3977,7 +3977,7 @@
                 </a:solidFill>
                 <a:latin typeface="Consolas" panose="020B0609020204030204" pitchFamily="49" charset="0"/>
               </a:rPr>
-              <a:t>&lt;std::chrono::nanoseconds&gt;(end - now);</a:t>
+              <a:t>&lt;std::chrono::nanoseconds&gt;(end - start);</a:t>
             </a:r>
             <a:endParaRPr lang="en-CA" dirty="0"/>
           </a:p>
@@ -4084,7 +4084,7 @@
                 </a:solidFill>
                 <a:latin typeface="Consolas" panose="020B0609020204030204" pitchFamily="49" charset="0"/>
               </a:rPr>
-              <a:t>  now = std::chrono::</a:t>
+              <a:t>  start = std::chrono::</a:t>
             </a:r>
             <a:r>
               <a:rPr lang="en-US" sz="1800" dirty="0" err="1">
@@ -4116,18 +4116,22 @@
               <a:t>  </a:t>
             </a:r>
             <a:r>
-              <a:rPr lang="en-CA" sz="1800" dirty="0" err="1">
-                <a:solidFill>
-                  <a:srgbClr val="000000"/>
+              <a:rPr lang="en-CA" sz="1800" b="1" dirty="0" err="1">
+                <a:solidFill>
+                  <a:schemeClr val="accent2">
+                    <a:lumMod val="50000"/>
+                  </a:schemeClr>
                 </a:solidFill>
                 <a:latin typeface="Consolas" panose="020B0609020204030204" pitchFamily="49" charset="0"/>
               </a:rPr>
               <a:t>func</a:t>
             </a:r>
             <a:r>
-              <a:rPr lang="en-CA" sz="1800" dirty="0">
-                <a:solidFill>
-                  <a:srgbClr val="000000"/>
+              <a:rPr lang="en-CA" sz="1800" b="1" dirty="0">
+                <a:solidFill>
+                  <a:schemeClr val="accent2">
+                    <a:lumMod val="50000"/>
+                  </a:schemeClr>
                 </a:solidFill>
                 <a:latin typeface="Consolas" panose="020B0609020204030204" pitchFamily="49" charset="0"/>
               </a:rPr>
@@ -4207,7 +4211,7 @@
                 </a:solidFill>
                 <a:latin typeface="Consolas" panose="020B0609020204030204" pitchFamily="49" charset="0"/>
               </a:rPr>
-              <a:t>&lt;std::chrono::nanoseconds&gt;(end - now);</a:t>
+              <a:t>&lt;std::chrono::nanoseconds&gt;(end - start);</a:t>
             </a:r>
           </a:p>
           <a:p>
